--- a/semester 6/Презентация.pptx
+++ b/semester 6/Презентация.pptx
@@ -3214,11 +3214,7 @@
             </a:r>
             <a:r>
               <a:rPr lang="ru-RU" dirty="0" smtClean="0"/>
-              <a:t>оператором.</a:t>
-            </a:r>
-            <a:r>
-              <a:rPr lang="ru-RU" dirty="0" smtClean="0"/>
-              <a:t>	</a:t>
+              <a:t>оператором.	</a:t>
             </a:r>
             <a:endParaRPr lang="en-US" dirty="0" smtClean="0"/>
           </a:p>
@@ -3309,6 +3305,13 @@
   <p:clrMapOvr>
     <a:masterClrMapping/>
   </p:clrMapOvr>
+  <p:timing>
+    <p:tnLst>
+      <p:par>
+        <p:cTn id="1" dur="indefinite" restart="never" nodeType="tmRoot"/>
+      </p:par>
+    </p:tnLst>
+  </p:timing>
 </p:sld>
 </file>
 
@@ -3967,6 +3970,13 @@
   <p:clrMapOvr>
     <a:masterClrMapping/>
   </p:clrMapOvr>
+  <p:timing>
+    <p:tnLst>
+      <p:par>
+        <p:cTn id="1" dur="indefinite" restart="never" nodeType="tmRoot"/>
+      </p:par>
+    </p:tnLst>
+  </p:timing>
 </p:sld>
 </file>
 
@@ -4206,6 +4216,13 @@
   <p:clrMapOvr>
     <a:masterClrMapping/>
   </p:clrMapOvr>
+  <p:timing>
+    <p:tnLst>
+      <p:par>
+        <p:cTn id="1" dur="indefinite" restart="never" nodeType="tmRoot"/>
+      </p:par>
+    </p:tnLst>
+  </p:timing>
 </p:sld>
 </file>
 
@@ -4555,7 +4572,6 @@
               <a:rPr lang="ru-RU" dirty="0" smtClean="0"/>
               <a:t>Семантический анализ (Факторный анализ)</a:t>
             </a:r>
-            <a:endParaRPr lang="ru-RU" dirty="0" smtClean="0"/>
           </a:p>
         </p:txBody>
       </p:sp>
@@ -4752,7 +4768,39 @@
                 <a:ea typeface="Times New Roman" panose="02020603050405020304" pitchFamily="18" charset="0"/>
                 <a:cs typeface="Times New Roman" panose="02020603050405020304" pitchFamily="18" charset="0"/>
               </a:rPr>
-              <a:t>их помощью осуществима работа тривиальных преобразований. Трансляции более сложных заданий, использующих: эллипсис, анафора, должны выполняться выполнятся при помощи </a:t>
+              <a:t>их помощью осуществима работа тривиальных преобразований. Трансляции более сложных заданий, использующих: эллипсис, анафора, </a:t>
+            </a:r>
+            <a:r>
+              <a:rPr lang="ru-RU" altLang="ru-RU" dirty="0" smtClean="0">
+                <a:latin typeface="Calibri (Основной текст)"/>
+                <a:ea typeface="Times New Roman" panose="02020603050405020304" pitchFamily="18" charset="0"/>
+                <a:cs typeface="Times New Roman" panose="02020603050405020304" pitchFamily="18" charset="0"/>
+              </a:rPr>
+              <a:t>должны</a:t>
+            </a:r>
+            <a:r>
+              <a:rPr lang="en-US" altLang="ru-RU" dirty="0" smtClean="0">
+                <a:latin typeface="Calibri (Основной текст)"/>
+                <a:ea typeface="Times New Roman" panose="02020603050405020304" pitchFamily="18" charset="0"/>
+                <a:cs typeface="Times New Roman" panose="02020603050405020304" pitchFamily="18" charset="0"/>
+              </a:rPr>
+              <a:t> </a:t>
+            </a:r>
+            <a:r>
+              <a:rPr lang="ru-RU" altLang="ru-RU" dirty="0" smtClean="0">
+                <a:latin typeface="Calibri (Основной текст)"/>
+                <a:ea typeface="Times New Roman" panose="02020603050405020304" pitchFamily="18" charset="0"/>
+                <a:cs typeface="Times New Roman" panose="02020603050405020304" pitchFamily="18" charset="0"/>
+              </a:rPr>
+              <a:t>выполнятся </a:t>
+            </a:r>
+            <a:r>
+              <a:rPr lang="ru-RU" altLang="ru-RU" dirty="0">
+                <a:latin typeface="Calibri (Основной текст)"/>
+                <a:ea typeface="Times New Roman" panose="02020603050405020304" pitchFamily="18" charset="0"/>
+                <a:cs typeface="Times New Roman" panose="02020603050405020304" pitchFamily="18" charset="0"/>
+              </a:rPr>
+              <a:t>при помощи </a:t>
             </a:r>
             <a:r>
               <a:rPr lang="ru-RU" altLang="ru-RU" dirty="0" err="1">
@@ -4768,7 +4816,23 @@
                 <a:ea typeface="Times New Roman" panose="02020603050405020304" pitchFamily="18" charset="0"/>
                 <a:cs typeface="Times New Roman" panose="02020603050405020304" pitchFamily="18" charset="0"/>
               </a:rPr>
-              <a:t>, использующего грамматики, или наборов правил схем. </a:t>
+              <a:t>, использующего грамматики, или </a:t>
+            </a:r>
+            <a:r>
+              <a:rPr lang="ru-RU" altLang="ru-RU" dirty="0" smtClean="0">
+                <a:latin typeface="Calibri (Основной текст)"/>
+                <a:ea typeface="Times New Roman" panose="02020603050405020304" pitchFamily="18" charset="0"/>
+                <a:cs typeface="Times New Roman" panose="02020603050405020304" pitchFamily="18" charset="0"/>
+              </a:rPr>
+              <a:t>набор </a:t>
+            </a:r>
+            <a:r>
+              <a:rPr lang="ru-RU" altLang="ru-RU" dirty="0">
+                <a:latin typeface="Calibri (Основной текст)"/>
+                <a:ea typeface="Times New Roman" panose="02020603050405020304" pitchFamily="18" charset="0"/>
+                <a:cs typeface="Times New Roman" panose="02020603050405020304" pitchFamily="18" charset="0"/>
+              </a:rPr>
+              <a:t>правил схем. </a:t>
             </a:r>
             <a:endParaRPr kumimoji="0" lang="ru-RU" altLang="ru-RU" sz="3600" b="0" i="0" u="none" strike="noStrike" cap="none" normalizeH="0" baseline="0" dirty="0" smtClean="0">
               <a:ln>
@@ -5377,6 +5441,13 @@
   <p:clrMapOvr>
     <a:masterClrMapping/>
   </p:clrMapOvr>
+  <p:timing>
+    <p:tnLst>
+      <p:par>
+        <p:cTn id="1" dur="indefinite" restart="never" nodeType="tmRoot"/>
+      </p:par>
+    </p:tnLst>
+  </p:timing>
 </p:sld>
 </file>
 
@@ -5584,6 +5655,13 @@
   <p:clrMapOvr>
     <a:masterClrMapping/>
   </p:clrMapOvr>
+  <p:timing>
+    <p:tnLst>
+      <p:par>
+        <p:cTn id="1" dur="indefinite" restart="never" nodeType="tmRoot"/>
+      </p:par>
+    </p:tnLst>
+  </p:timing>
 </p:sld>
 </file>
 
